--- a/08ManagingDataAccess.pptx
+++ b/08ManagingDataAccess.pptx
@@ -4179,9 +4179,10 @@
           <a:lstStyle/>
           <a:p>
             <a:r>
-              <a:rPr lang="de-DE" smtClean="0"/>
+              <a:rPr lang="de-DE" dirty="0" err="1" smtClean="0"/>
               <a:t>DataKeys</a:t>
             </a:r>
+            <a:endParaRPr lang="de-DE" dirty="0" smtClean="0"/>
           </a:p>
           <a:p>
             <a:r>
@@ -5560,7 +5561,15 @@
           <a:p>
             <a:r>
               <a:rPr lang="de-DE" dirty="0" smtClean="0"/>
-              <a:t>Workflow</a:t>
+              <a:t>Workflow </a:t>
+            </a:r>
+            <a:r>
+              <a:rPr lang="de-DE" dirty="0" err="1" smtClean="0"/>
+              <a:t>bzw</a:t>
+            </a:r>
+            <a:r>
+              <a:rPr lang="de-DE" dirty="0" smtClean="0"/>
+              <a:t> Benutzerführung</a:t>
             </a:r>
             <a:endParaRPr lang="de-DE" dirty="0"/>
           </a:p>

--- a/08ManagingDataAccess.pptx
+++ b/08ManagingDataAccess.pptx
@@ -3939,14 +3939,19 @@
             </a:r>
             <a:r>
               <a:rPr lang="de-DE" dirty="0" smtClean="0"/>
-              <a:t>….</a:t>
-            </a:r>
+              <a:t>…. @Par</a:t>
+            </a:r>
+            <a:endParaRPr lang="de-DE" dirty="0" smtClean="0"/>
           </a:p>
           <a:p>
             <a:pPr lvl="1"/>
             <a:r>
               <a:rPr lang="de-DE" dirty="0" err="1" smtClean="0"/>
               <a:t>SQLParameter</a:t>
+            </a:r>
+            <a:r>
+              <a:rPr lang="de-DE" dirty="0" smtClean="0"/>
+              <a:t> @Par</a:t>
             </a:r>
             <a:endParaRPr lang="de-DE" dirty="0" smtClean="0"/>
           </a:p>
